--- a/Documents/Presentatie 7-4-16.pptx
+++ b/Documents/Presentatie 7-4-16.pptx
@@ -2,13 +2,15 @@
 <file path=ppt/presentation.xml><?xml version="1.0" encoding="utf-8"?>
 <p:presentation xmlns:a="http://schemas.openxmlformats.org/drawingml/2006/main" xmlns:r="http://schemas.openxmlformats.org/officeDocument/2006/relationships" xmlns:p="http://schemas.openxmlformats.org/presentationml/2006/main" saveSubsetFonts="1" autoCompressPictures="0">
   <p:sldMasterIdLst>
-    <p:sldMasterId id="2147483660" r:id="rId1"/>
+    <p:sldMasterId id="2147483696" r:id="rId1"/>
   </p:sldMasterIdLst>
   <p:sldIdLst>
     <p:sldId id="256" r:id="rId2"/>
     <p:sldId id="257" r:id="rId3"/>
-    <p:sldId id="258" r:id="rId4"/>
+    <p:sldId id="261" r:id="rId4"/>
     <p:sldId id="259" r:id="rId5"/>
+    <p:sldId id="258" r:id="rId6"/>
+    <p:sldId id="260" r:id="rId7"/>
   </p:sldIdLst>
   <p:sldSz cx="12192000" cy="6858000"/>
   <p:notesSz cx="6858000" cy="9144000"/>
@@ -107,6 +109,11 @@
       </a:defRPr>
     </a:lvl9pPr>
   </p:defaultTextStyle>
+  <p:extLst>
+    <p:ext uri="{EFAFB233-063F-42B5-8137-9DF3F51BA10A}">
+      <p15:sldGuideLst xmlns:p15="http://schemas.microsoft.com/office/powerpoint/2012/main"/>
+    </p:ext>
+  </p:extLst>
 </p:presentation>
 </file>
 
@@ -129,7 +136,7 @@
       </p:grpSpPr>
       <p:pic>
         <p:nvPicPr>
-          <p:cNvPr id="7" name="Picture 6" descr="C0-HD-BTM.png"/>
+          <p:cNvPr id="8" name="Picture 7" descr="C3-HD-BTM.png"/>
           <p:cNvPicPr>
             <a:picLocks noChangeAspect="1"/>
           </p:cNvPicPr>
@@ -341,13 +348,32 @@
     </p:spTree>
     <p:extLst>
       <p:ext uri="{BB962C8B-B14F-4D97-AF65-F5344CB8AC3E}">
-        <p14:creationId xmlns:p14="http://schemas.microsoft.com/office/powerpoint/2010/main" val="885720125"/>
+        <p14:creationId xmlns:p14="http://schemas.microsoft.com/office/powerpoint/2010/main" val="271413913"/>
       </p:ext>
     </p:extLst>
   </p:cSld>
   <p:clrMapOvr>
     <a:masterClrMapping/>
   </p:clrMapOvr>
+  <mc:AlternateContent xmlns:mc="http://schemas.openxmlformats.org/markup-compatibility/2006">
+    <mc:Choice xmlns:p14="http://schemas.microsoft.com/office/powerpoint/2010/main" Requires="p14">
+      <p:transition spd="slow" p14:dur="1500">
+        <p:random/>
+      </p:transition>
+    </mc:Choice>
+    <mc:Fallback>
+      <p:transition spd="slow">
+        <p:random/>
+      </p:transition>
+    </mc:Fallback>
+  </mc:AlternateContent>
+  <p:timing>
+    <p:tnLst>
+      <p:par>
+        <p:cTn id="1" dur="indefinite" restart="never" nodeType="tmRoot"/>
+      </p:par>
+    </p:tnLst>
+  </p:timing>
 </p:sldLayout>
 </file>
 
@@ -598,13 +624,32 @@
     </p:spTree>
     <p:extLst>
       <p:ext uri="{BB962C8B-B14F-4D97-AF65-F5344CB8AC3E}">
-        <p14:creationId xmlns:p14="http://schemas.microsoft.com/office/powerpoint/2010/main" val="1051525816"/>
+        <p14:creationId xmlns:p14="http://schemas.microsoft.com/office/powerpoint/2010/main" val="1277647434"/>
       </p:ext>
     </p:extLst>
   </p:cSld>
   <p:clrMapOvr>
     <a:masterClrMapping/>
   </p:clrMapOvr>
+  <mc:AlternateContent xmlns:mc="http://schemas.openxmlformats.org/markup-compatibility/2006">
+    <mc:Choice xmlns:p14="http://schemas.microsoft.com/office/powerpoint/2010/main" Requires="p14">
+      <p:transition spd="slow" p14:dur="1500">
+        <p:random/>
+      </p:transition>
+    </mc:Choice>
+    <mc:Fallback>
+      <p:transition spd="slow">
+        <p:random/>
+      </p:transition>
+    </mc:Fallback>
+  </mc:AlternateContent>
+  <p:timing>
+    <p:tnLst>
+      <p:par>
+        <p:cTn id="1" dur="indefinite" restart="never" nodeType="tmRoot"/>
+      </p:par>
+    </p:tnLst>
+  </p:timing>
 </p:sldLayout>
 </file>
 
@@ -627,7 +672,7 @@
       </p:grpSpPr>
       <p:pic>
         <p:nvPicPr>
-          <p:cNvPr id="8" name="Picture 7" descr="C0-HD-BTM.png"/>
+          <p:cNvPr id="9" name="Picture 8" descr="C3-HD-BTM.png"/>
           <p:cNvPicPr>
             <a:picLocks noChangeAspect="1"/>
           </p:cNvPicPr>
@@ -839,13 +884,32 @@
     </p:spTree>
     <p:extLst>
       <p:ext uri="{BB962C8B-B14F-4D97-AF65-F5344CB8AC3E}">
-        <p14:creationId xmlns:p14="http://schemas.microsoft.com/office/powerpoint/2010/main" val="1351458349"/>
+        <p14:creationId xmlns:p14="http://schemas.microsoft.com/office/powerpoint/2010/main" val="731436885"/>
       </p:ext>
     </p:extLst>
   </p:cSld>
   <p:clrMapOvr>
     <a:masterClrMapping/>
   </p:clrMapOvr>
+  <mc:AlternateContent xmlns:mc="http://schemas.openxmlformats.org/markup-compatibility/2006">
+    <mc:Choice xmlns:p14="http://schemas.microsoft.com/office/powerpoint/2010/main" Requires="p14">
+      <p:transition spd="slow" p14:dur="1500">
+        <p:random/>
+      </p:transition>
+    </mc:Choice>
+    <mc:Fallback>
+      <p:transition spd="slow">
+        <p:random/>
+      </p:transition>
+    </mc:Fallback>
+  </mc:AlternateContent>
+  <p:timing>
+    <p:tnLst>
+      <p:par>
+        <p:cTn id="1" dur="indefinite" restart="never" nodeType="tmRoot"/>
+      </p:par>
+    </p:tnLst>
+  </p:timing>
 </p:sldLayout>
 </file>
 
@@ -868,7 +932,7 @@
       </p:grpSpPr>
       <p:pic>
         <p:nvPicPr>
-          <p:cNvPr id="13" name="Picture 12" descr="C0-HD-BTM.png"/>
+          <p:cNvPr id="11" name="Picture 10" descr="C3-HD-BTM.png"/>
           <p:cNvPicPr>
             <a:picLocks noChangeAspect="1"/>
           </p:cNvPicPr>
@@ -1381,13 +1445,32 @@
     </p:spTree>
     <p:extLst>
       <p:ext uri="{BB962C8B-B14F-4D97-AF65-F5344CB8AC3E}">
-        <p14:creationId xmlns:p14="http://schemas.microsoft.com/office/powerpoint/2010/main" val="25937324"/>
+        <p14:creationId xmlns:p14="http://schemas.microsoft.com/office/powerpoint/2010/main" val="1063330767"/>
       </p:ext>
     </p:extLst>
   </p:cSld>
   <p:clrMapOvr>
     <a:masterClrMapping/>
   </p:clrMapOvr>
+  <mc:AlternateContent xmlns:mc="http://schemas.openxmlformats.org/markup-compatibility/2006">
+    <mc:Choice xmlns:p14="http://schemas.microsoft.com/office/powerpoint/2010/main" Requires="p14">
+      <p:transition spd="slow" p14:dur="1500">
+        <p:random/>
+      </p:transition>
+    </mc:Choice>
+    <mc:Fallback>
+      <p:transition spd="slow">
+        <p:random/>
+      </p:transition>
+    </mc:Fallback>
+  </mc:AlternateContent>
+  <p:timing>
+    <p:tnLst>
+      <p:par>
+        <p:cTn id="1" dur="indefinite" restart="never" nodeType="tmRoot"/>
+      </p:par>
+    </p:tnLst>
+  </p:timing>
 </p:sldLayout>
 </file>
 
@@ -1410,7 +1493,7 @@
       </p:grpSpPr>
       <p:pic>
         <p:nvPicPr>
-          <p:cNvPr id="9" name="Picture 8" descr="C0-HD-BTM.png"/>
+          <p:cNvPr id="8" name="Picture 7" descr="C3-HD-BTM.png"/>
           <p:cNvPicPr>
             <a:picLocks noChangeAspect="1"/>
           </p:cNvPicPr>
@@ -1622,13 +1705,32 @@
     </p:spTree>
     <p:extLst>
       <p:ext uri="{BB962C8B-B14F-4D97-AF65-F5344CB8AC3E}">
-        <p14:creationId xmlns:p14="http://schemas.microsoft.com/office/powerpoint/2010/main" val="2136907774"/>
+        <p14:creationId xmlns:p14="http://schemas.microsoft.com/office/powerpoint/2010/main" val="41290635"/>
       </p:ext>
     </p:extLst>
   </p:cSld>
   <p:clrMapOvr>
     <a:masterClrMapping/>
   </p:clrMapOvr>
+  <mc:AlternateContent xmlns:mc="http://schemas.openxmlformats.org/markup-compatibility/2006">
+    <mc:Choice xmlns:p14="http://schemas.microsoft.com/office/powerpoint/2010/main" Requires="p14">
+      <p:transition spd="slow" p14:dur="1500">
+        <p:random/>
+      </p:transition>
+    </mc:Choice>
+    <mc:Fallback>
+      <p:transition spd="slow">
+        <p:random/>
+      </p:transition>
+    </mc:Fallback>
+  </mc:AlternateContent>
+  <p:timing>
+    <p:tnLst>
+      <p:par>
+        <p:cTn id="1" dur="indefinite" restart="never" nodeType="tmRoot"/>
+      </p:par>
+    </p:tnLst>
+  </p:timing>
 </p:sldLayout>
 </file>
 
@@ -2159,13 +2261,32 @@
     </p:spTree>
     <p:extLst>
       <p:ext uri="{BB962C8B-B14F-4D97-AF65-F5344CB8AC3E}">
-        <p14:creationId xmlns:p14="http://schemas.microsoft.com/office/powerpoint/2010/main" val="492445190"/>
+        <p14:creationId xmlns:p14="http://schemas.microsoft.com/office/powerpoint/2010/main" val="334484464"/>
       </p:ext>
     </p:extLst>
   </p:cSld>
   <p:clrMapOvr>
     <a:masterClrMapping/>
   </p:clrMapOvr>
+  <mc:AlternateContent xmlns:mc="http://schemas.openxmlformats.org/markup-compatibility/2006">
+    <mc:Choice xmlns:p14="http://schemas.microsoft.com/office/powerpoint/2010/main" Requires="p14">
+      <p:transition spd="slow" p14:dur="1500">
+        <p:random/>
+      </p:transition>
+    </mc:Choice>
+    <mc:Fallback>
+      <p:transition spd="slow">
+        <p:random/>
+      </p:transition>
+    </mc:Fallback>
+  </mc:AlternateContent>
+  <p:timing>
+    <p:tnLst>
+      <p:par>
+        <p:cTn id="1" dur="indefinite" restart="never" nodeType="tmRoot"/>
+      </p:par>
+    </p:tnLst>
+  </p:timing>
 </p:sldLayout>
 </file>
 
@@ -2933,13 +3054,32 @@
     </p:spTree>
     <p:extLst>
       <p:ext uri="{BB962C8B-B14F-4D97-AF65-F5344CB8AC3E}">
-        <p14:creationId xmlns:p14="http://schemas.microsoft.com/office/powerpoint/2010/main" val="124332792"/>
+        <p14:creationId xmlns:p14="http://schemas.microsoft.com/office/powerpoint/2010/main" val="1715682249"/>
       </p:ext>
     </p:extLst>
   </p:cSld>
   <p:clrMapOvr>
     <a:masterClrMapping/>
   </p:clrMapOvr>
+  <mc:AlternateContent xmlns:mc="http://schemas.openxmlformats.org/markup-compatibility/2006">
+    <mc:Choice xmlns:p14="http://schemas.microsoft.com/office/powerpoint/2010/main" Requires="p14">
+      <p:transition spd="slow" p14:dur="1500">
+        <p:random/>
+      </p:transition>
+    </mc:Choice>
+    <mc:Fallback>
+      <p:transition spd="slow">
+        <p:random/>
+      </p:transition>
+    </mc:Fallback>
+  </mc:AlternateContent>
+  <p:timing>
+    <p:tnLst>
+      <p:par>
+        <p:cTn id="1" dur="indefinite" restart="never" nodeType="tmRoot"/>
+      </p:par>
+    </p:tnLst>
+  </p:timing>
 </p:sldLayout>
 </file>
 
@@ -3108,13 +3248,32 @@
     </p:spTree>
     <p:extLst>
       <p:ext uri="{BB962C8B-B14F-4D97-AF65-F5344CB8AC3E}">
-        <p14:creationId xmlns:p14="http://schemas.microsoft.com/office/powerpoint/2010/main" val="159646613"/>
+        <p14:creationId xmlns:p14="http://schemas.microsoft.com/office/powerpoint/2010/main" val="1208630674"/>
       </p:ext>
     </p:extLst>
   </p:cSld>
   <p:clrMapOvr>
     <a:masterClrMapping/>
   </p:clrMapOvr>
+  <mc:AlternateContent xmlns:mc="http://schemas.openxmlformats.org/markup-compatibility/2006">
+    <mc:Choice xmlns:p14="http://schemas.microsoft.com/office/powerpoint/2010/main" Requires="p14">
+      <p:transition spd="slow" p14:dur="1500">
+        <p:random/>
+      </p:transition>
+    </mc:Choice>
+    <mc:Fallback>
+      <p:transition spd="slow">
+        <p:random/>
+      </p:transition>
+    </mc:Fallback>
+  </mc:AlternateContent>
+  <p:timing>
+    <p:tnLst>
+      <p:par>
+        <p:cTn id="1" dur="indefinite" restart="never" nodeType="tmRoot"/>
+      </p:par>
+    </p:tnLst>
+  </p:timing>
 </p:sldLayout>
 </file>
 
@@ -3137,7 +3296,7 @@
       </p:grpSpPr>
       <p:pic>
         <p:nvPicPr>
-          <p:cNvPr id="8" name="Picture 7" descr="C0-HD-BTM.png"/>
+          <p:cNvPr id="9" name="Picture 8" descr="C3-HD-BTM.png"/>
           <p:cNvPicPr>
             <a:picLocks noChangeAspect="1"/>
           </p:cNvPicPr>
@@ -3341,13 +3500,32 @@
     </p:spTree>
     <p:extLst>
       <p:ext uri="{BB962C8B-B14F-4D97-AF65-F5344CB8AC3E}">
-        <p14:creationId xmlns:p14="http://schemas.microsoft.com/office/powerpoint/2010/main" val="973549588"/>
+        <p14:creationId xmlns:p14="http://schemas.microsoft.com/office/powerpoint/2010/main" val="407920945"/>
       </p:ext>
     </p:extLst>
   </p:cSld>
   <p:clrMapOvr>
     <a:masterClrMapping/>
   </p:clrMapOvr>
+  <mc:AlternateContent xmlns:mc="http://schemas.openxmlformats.org/markup-compatibility/2006">
+    <mc:Choice xmlns:p14="http://schemas.microsoft.com/office/powerpoint/2010/main" Requires="p14">
+      <p:transition spd="slow" p14:dur="1500">
+        <p:random/>
+      </p:transition>
+    </mc:Choice>
+    <mc:Fallback>
+      <p:transition spd="slow">
+        <p:random/>
+      </p:transition>
+    </mc:Fallback>
+  </mc:AlternateContent>
+  <p:timing>
+    <p:tnLst>
+      <p:par>
+        <p:cTn id="1" dur="indefinite" restart="never" nodeType="tmRoot"/>
+      </p:par>
+    </p:tnLst>
+  </p:timing>
 </p:sldLayout>
 </file>
 
@@ -3511,13 +3689,32 @@
     </p:spTree>
     <p:extLst>
       <p:ext uri="{BB962C8B-B14F-4D97-AF65-F5344CB8AC3E}">
-        <p14:creationId xmlns:p14="http://schemas.microsoft.com/office/powerpoint/2010/main" val="2088983518"/>
+        <p14:creationId xmlns:p14="http://schemas.microsoft.com/office/powerpoint/2010/main" val="398369563"/>
       </p:ext>
     </p:extLst>
   </p:cSld>
   <p:clrMapOvr>
     <a:masterClrMapping/>
   </p:clrMapOvr>
+  <mc:AlternateContent xmlns:mc="http://schemas.openxmlformats.org/markup-compatibility/2006">
+    <mc:Choice xmlns:p14="http://schemas.microsoft.com/office/powerpoint/2010/main" Requires="p14">
+      <p:transition spd="slow" p14:dur="1500">
+        <p:random/>
+      </p:transition>
+    </mc:Choice>
+    <mc:Fallback>
+      <p:transition spd="slow">
+        <p:random/>
+      </p:transition>
+    </mc:Fallback>
+  </mc:AlternateContent>
+  <p:timing>
+    <p:tnLst>
+      <p:par>
+        <p:cTn id="1" dur="indefinite" restart="never" nodeType="tmRoot"/>
+      </p:par>
+    </p:tnLst>
+  </p:timing>
 </p:sldLayout>
 </file>
 
@@ -3540,7 +3737,7 @@
       </p:grpSpPr>
       <p:pic>
         <p:nvPicPr>
-          <p:cNvPr id="9" name="Picture 8" descr="C0-HD-BTM.png"/>
+          <p:cNvPr id="8" name="Picture 7" descr="C3-HD-BTM.png"/>
           <p:cNvPicPr>
             <a:picLocks noChangeAspect="1"/>
           </p:cNvPicPr>
@@ -3810,13 +4007,32 @@
     </p:spTree>
     <p:extLst>
       <p:ext uri="{BB962C8B-B14F-4D97-AF65-F5344CB8AC3E}">
-        <p14:creationId xmlns:p14="http://schemas.microsoft.com/office/powerpoint/2010/main" val="335842223"/>
+        <p14:creationId xmlns:p14="http://schemas.microsoft.com/office/powerpoint/2010/main" val="1690717642"/>
       </p:ext>
     </p:extLst>
   </p:cSld>
   <p:clrMapOvr>
     <a:masterClrMapping/>
   </p:clrMapOvr>
+  <mc:AlternateContent xmlns:mc="http://schemas.openxmlformats.org/markup-compatibility/2006">
+    <mc:Choice xmlns:p14="http://schemas.microsoft.com/office/powerpoint/2010/main" Requires="p14">
+      <p:transition spd="slow" p14:dur="1500">
+        <p:random/>
+      </p:transition>
+    </mc:Choice>
+    <mc:Fallback>
+      <p:transition spd="slow">
+        <p:random/>
+      </p:transition>
+    </mc:Fallback>
+  </mc:AlternateContent>
+  <p:timing>
+    <p:tnLst>
+      <p:par>
+        <p:cTn id="1" dur="indefinite" restart="never" nodeType="tmRoot"/>
+      </p:par>
+    </p:tnLst>
+  </p:timing>
 </p:sldLayout>
 </file>
 
@@ -4042,13 +4258,32 @@
     </p:spTree>
     <p:extLst>
       <p:ext uri="{BB962C8B-B14F-4D97-AF65-F5344CB8AC3E}">
-        <p14:creationId xmlns:p14="http://schemas.microsoft.com/office/powerpoint/2010/main" val="913217645"/>
+        <p14:creationId xmlns:p14="http://schemas.microsoft.com/office/powerpoint/2010/main" val="387791990"/>
       </p:ext>
     </p:extLst>
   </p:cSld>
   <p:clrMapOvr>
     <a:masterClrMapping/>
   </p:clrMapOvr>
+  <mc:AlternateContent xmlns:mc="http://schemas.openxmlformats.org/markup-compatibility/2006">
+    <mc:Choice xmlns:p14="http://schemas.microsoft.com/office/powerpoint/2010/main" Requires="p14">
+      <p:transition spd="slow" p14:dur="1500">
+        <p:random/>
+      </p:transition>
+    </mc:Choice>
+    <mc:Fallback>
+      <p:transition spd="slow">
+        <p:random/>
+      </p:transition>
+    </mc:Fallback>
+  </mc:AlternateContent>
+  <p:timing>
+    <p:tnLst>
+      <p:par>
+        <p:cTn id="1" dur="indefinite" restart="never" nodeType="tmRoot"/>
+      </p:par>
+    </p:tnLst>
+  </p:timing>
 </p:sldLayout>
 </file>
 
@@ -4421,13 +4656,32 @@
     </p:spTree>
     <p:extLst>
       <p:ext uri="{BB962C8B-B14F-4D97-AF65-F5344CB8AC3E}">
-        <p14:creationId xmlns:p14="http://schemas.microsoft.com/office/powerpoint/2010/main" val="383334406"/>
+        <p14:creationId xmlns:p14="http://schemas.microsoft.com/office/powerpoint/2010/main" val="7107285"/>
       </p:ext>
     </p:extLst>
   </p:cSld>
   <p:clrMapOvr>
     <a:masterClrMapping/>
   </p:clrMapOvr>
+  <mc:AlternateContent xmlns:mc="http://schemas.openxmlformats.org/markup-compatibility/2006">
+    <mc:Choice xmlns:p14="http://schemas.microsoft.com/office/powerpoint/2010/main" Requires="p14">
+      <p:transition spd="slow" p14:dur="1500">
+        <p:random/>
+      </p:transition>
+    </mc:Choice>
+    <mc:Fallback>
+      <p:transition spd="slow">
+        <p:random/>
+      </p:transition>
+    </mc:Fallback>
+  </mc:AlternateContent>
+  <p:timing>
+    <p:tnLst>
+      <p:par>
+        <p:cTn id="1" dur="indefinite" restart="never" nodeType="tmRoot"/>
+      </p:par>
+    </p:tnLst>
+  </p:timing>
 </p:sldLayout>
 </file>
 
@@ -4539,13 +4793,32 @@
     </p:spTree>
     <p:extLst>
       <p:ext uri="{BB962C8B-B14F-4D97-AF65-F5344CB8AC3E}">
-        <p14:creationId xmlns:p14="http://schemas.microsoft.com/office/powerpoint/2010/main" val="250420642"/>
+        <p14:creationId xmlns:p14="http://schemas.microsoft.com/office/powerpoint/2010/main" val="1340538410"/>
       </p:ext>
     </p:extLst>
   </p:cSld>
   <p:clrMapOvr>
     <a:masterClrMapping/>
   </p:clrMapOvr>
+  <mc:AlternateContent xmlns:mc="http://schemas.openxmlformats.org/markup-compatibility/2006">
+    <mc:Choice xmlns:p14="http://schemas.microsoft.com/office/powerpoint/2010/main" Requires="p14">
+      <p:transition spd="slow" p14:dur="1500">
+        <p:random/>
+      </p:transition>
+    </mc:Choice>
+    <mc:Fallback>
+      <p:transition spd="slow">
+        <p:random/>
+      </p:transition>
+    </mc:Fallback>
+  </mc:AlternateContent>
+  <p:timing>
+    <p:tnLst>
+      <p:par>
+        <p:cTn id="1" dur="indefinite" restart="never" nodeType="tmRoot"/>
+      </p:par>
+    </p:tnLst>
+  </p:timing>
 </p:sldLayout>
 </file>
 
@@ -4634,13 +4907,32 @@
     </p:spTree>
     <p:extLst>
       <p:ext uri="{BB962C8B-B14F-4D97-AF65-F5344CB8AC3E}">
-        <p14:creationId xmlns:p14="http://schemas.microsoft.com/office/powerpoint/2010/main" val="1899265621"/>
+        <p14:creationId xmlns:p14="http://schemas.microsoft.com/office/powerpoint/2010/main" val="1178116193"/>
       </p:ext>
     </p:extLst>
   </p:cSld>
   <p:clrMapOvr>
     <a:masterClrMapping/>
   </p:clrMapOvr>
+  <mc:AlternateContent xmlns:mc="http://schemas.openxmlformats.org/markup-compatibility/2006">
+    <mc:Choice xmlns:p14="http://schemas.microsoft.com/office/powerpoint/2010/main" Requires="p14">
+      <p:transition spd="slow" p14:dur="1500">
+        <p:random/>
+      </p:transition>
+    </mc:Choice>
+    <mc:Fallback>
+      <p:transition spd="slow">
+        <p:random/>
+      </p:transition>
+    </mc:Fallback>
+  </mc:AlternateContent>
+  <p:timing>
+    <p:tnLst>
+      <p:par>
+        <p:cTn id="1" dur="indefinite" restart="never" nodeType="tmRoot"/>
+      </p:par>
+    </p:tnLst>
+  </p:timing>
 </p:sldLayout>
 </file>
 
@@ -4883,13 +5175,32 @@
     </p:spTree>
     <p:extLst>
       <p:ext uri="{BB962C8B-B14F-4D97-AF65-F5344CB8AC3E}">
-        <p14:creationId xmlns:p14="http://schemas.microsoft.com/office/powerpoint/2010/main" val="760363139"/>
+        <p14:creationId xmlns:p14="http://schemas.microsoft.com/office/powerpoint/2010/main" val="799630411"/>
       </p:ext>
     </p:extLst>
   </p:cSld>
   <p:clrMapOvr>
     <a:masterClrMapping/>
   </p:clrMapOvr>
+  <mc:AlternateContent xmlns:mc="http://schemas.openxmlformats.org/markup-compatibility/2006">
+    <mc:Choice xmlns:p14="http://schemas.microsoft.com/office/powerpoint/2010/main" Requires="p14">
+      <p:transition spd="slow" p14:dur="1500">
+        <p:random/>
+      </p:transition>
+    </mc:Choice>
+    <mc:Fallback>
+      <p:transition spd="slow">
+        <p:random/>
+      </p:transition>
+    </mc:Fallback>
+  </mc:AlternateContent>
+  <p:timing>
+    <p:tnLst>
+      <p:par>
+        <p:cTn id="1" dur="indefinite" restart="never" nodeType="tmRoot"/>
+      </p:par>
+    </p:tnLst>
+  </p:timing>
 </p:sldLayout>
 </file>
 
@@ -5140,13 +5451,32 @@
     </p:spTree>
     <p:extLst>
       <p:ext uri="{BB962C8B-B14F-4D97-AF65-F5344CB8AC3E}">
-        <p14:creationId xmlns:p14="http://schemas.microsoft.com/office/powerpoint/2010/main" val="1895577523"/>
+        <p14:creationId xmlns:p14="http://schemas.microsoft.com/office/powerpoint/2010/main" val="435654751"/>
       </p:ext>
     </p:extLst>
   </p:cSld>
   <p:clrMapOvr>
     <a:masterClrMapping/>
   </p:clrMapOvr>
+  <mc:AlternateContent xmlns:mc="http://schemas.openxmlformats.org/markup-compatibility/2006">
+    <mc:Choice xmlns:p14="http://schemas.microsoft.com/office/powerpoint/2010/main" Requires="p14">
+      <p:transition spd="slow" p14:dur="1500">
+        <p:random/>
+      </p:transition>
+    </mc:Choice>
+    <mc:Fallback>
+      <p:transition spd="slow">
+        <p:random/>
+      </p:transition>
+    </mc:Fallback>
+  </mc:AlternateContent>
+  <p:timing>
+    <p:tnLst>
+      <p:par>
+        <p:cTn id="1" dur="indefinite" restart="never" nodeType="tmRoot"/>
+      </p:par>
+    </p:tnLst>
+  </p:timing>
 </p:sldLayout>
 </file>
 
@@ -5174,7 +5504,7 @@
       </p:grpSpPr>
       <p:pic>
         <p:nvPicPr>
-          <p:cNvPr id="7" name="Picture 6" descr="C0-HD-TOP.png"/>
+          <p:cNvPr id="8" name="Picture 7" descr="C3-HD-TOP.png"/>
           <p:cNvPicPr>
             <a:picLocks noChangeAspect="1"/>
           </p:cNvPicPr>
@@ -5419,30 +5749,49 @@
     </p:spTree>
     <p:extLst>
       <p:ext uri="{BB962C8B-B14F-4D97-AF65-F5344CB8AC3E}">
-        <p14:creationId xmlns:p14="http://schemas.microsoft.com/office/powerpoint/2010/main" val="2107798891"/>
+        <p14:creationId xmlns:p14="http://schemas.microsoft.com/office/powerpoint/2010/main" val="1467618765"/>
       </p:ext>
     </p:extLst>
   </p:cSld>
-  <p:clrMap bg1="dk1" tx1="lt1" bg2="dk2" tx2="lt2" accent1="accent1" accent2="accent2" accent3="accent3" accent4="accent4" accent5="accent5" accent6="accent6" hlink="hlink" folHlink="folHlink"/>
+  <p:clrMap bg1="lt1" tx1="dk1" bg2="lt2" tx2="dk2" accent1="accent1" accent2="accent2" accent3="accent3" accent4="accent4" accent5="accent5" accent6="accent6" hlink="hlink" folHlink="folHlink"/>
   <p:sldLayoutIdLst>
-    <p:sldLayoutId id="2147483661" r:id="rId1"/>
-    <p:sldLayoutId id="2147483662" r:id="rId2"/>
-    <p:sldLayoutId id="2147483663" r:id="rId3"/>
-    <p:sldLayoutId id="2147483664" r:id="rId4"/>
-    <p:sldLayoutId id="2147483665" r:id="rId5"/>
-    <p:sldLayoutId id="2147483666" r:id="rId6"/>
-    <p:sldLayoutId id="2147483667" r:id="rId7"/>
-    <p:sldLayoutId id="2147483668" r:id="rId8"/>
-    <p:sldLayoutId id="2147483669" r:id="rId9"/>
-    <p:sldLayoutId id="2147483670" r:id="rId10"/>
-    <p:sldLayoutId id="2147483671" r:id="rId11"/>
-    <p:sldLayoutId id="2147483672" r:id="rId12"/>
-    <p:sldLayoutId id="2147483673" r:id="rId13"/>
-    <p:sldLayoutId id="2147483674" r:id="rId14"/>
-    <p:sldLayoutId id="2147483675" r:id="rId15"/>
-    <p:sldLayoutId id="2147483676" r:id="rId16"/>
-    <p:sldLayoutId id="2147483677" r:id="rId17"/>
+    <p:sldLayoutId id="2147483697" r:id="rId1"/>
+    <p:sldLayoutId id="2147483698" r:id="rId2"/>
+    <p:sldLayoutId id="2147483699" r:id="rId3"/>
+    <p:sldLayoutId id="2147483700" r:id="rId4"/>
+    <p:sldLayoutId id="2147483701" r:id="rId5"/>
+    <p:sldLayoutId id="2147483702" r:id="rId6"/>
+    <p:sldLayoutId id="2147483703" r:id="rId7"/>
+    <p:sldLayoutId id="2147483704" r:id="rId8"/>
+    <p:sldLayoutId id="2147483705" r:id="rId9"/>
+    <p:sldLayoutId id="2147483706" r:id="rId10"/>
+    <p:sldLayoutId id="2147483707" r:id="rId11"/>
+    <p:sldLayoutId id="2147483708" r:id="rId12"/>
+    <p:sldLayoutId id="2147483709" r:id="rId13"/>
+    <p:sldLayoutId id="2147483710" r:id="rId14"/>
+    <p:sldLayoutId id="2147483711" r:id="rId15"/>
+    <p:sldLayoutId id="2147483712" r:id="rId16"/>
+    <p:sldLayoutId id="2147483713" r:id="rId17"/>
   </p:sldLayoutIdLst>
+  <mc:AlternateContent xmlns:mc="http://schemas.openxmlformats.org/markup-compatibility/2006">
+    <mc:Choice xmlns:p14="http://schemas.microsoft.com/office/powerpoint/2010/main" Requires="p14">
+      <p:transition spd="slow" p14:dur="1500">
+        <p:random/>
+      </p:transition>
+    </mc:Choice>
+    <mc:Fallback>
+      <p:transition spd="slow">
+        <p:random/>
+      </p:transition>
+    </mc:Fallback>
+  </mc:AlternateContent>
+  <p:timing>
+    <p:tnLst>
+      <p:par>
+        <p:cTn id="1" dur="indefinite" restart="never" nodeType="tmRoot"/>
+      </p:par>
+    </p:tnLst>
+  </p:timing>
   <p:txStyles>
     <p:titleStyle>
       <a:lvl1pPr algn="r" defTabSz="914400" rtl="0" eaLnBrk="1" latinLnBrk="0" hangingPunct="1">
@@ -5855,6 +6204,25 @@
   <p:clrMapOvr>
     <a:masterClrMapping/>
   </p:clrMapOvr>
+  <mc:AlternateContent xmlns:mc="http://schemas.openxmlformats.org/markup-compatibility/2006">
+    <mc:Choice xmlns:p14="http://schemas.microsoft.com/office/powerpoint/2010/main" Requires="p14">
+      <p:transition spd="slow" p14:dur="1500">
+        <p:random/>
+      </p:transition>
+    </mc:Choice>
+    <mc:Fallback>
+      <p:transition spd="slow">
+        <p:random/>
+      </p:transition>
+    </mc:Fallback>
+  </mc:AlternateContent>
+  <p:timing>
+    <p:tnLst>
+      <p:par>
+        <p:cTn id="1" dur="indefinite" restart="never" nodeType="tmRoot"/>
+      </p:par>
+    </p:tnLst>
+  </p:timing>
 </p:sld>
 </file>
 
@@ -5892,7 +6260,7 @@
           <a:p>
             <a:r>
               <a:rPr lang="nl-NL" dirty="0" smtClean="0"/>
-              <a:t>Concept</a:t>
+              <a:t>idee</a:t>
             </a:r>
             <a:endParaRPr lang="nl-NL" dirty="0"/>
           </a:p>
@@ -5913,7 +6281,96 @@
           <a:bodyPr/>
           <a:lstStyle/>
           <a:p>
-            <a:endParaRPr lang="nl-NL"/>
+            <a:pPr>
+              <a:lnSpc>
+                <a:spcPct val="100000"/>
+              </a:lnSpc>
+              <a:spcBef>
+                <a:spcPts val="0"/>
+              </a:spcBef>
+            </a:pPr>
+            <a:r>
+              <a:rPr lang="nl-NL" dirty="0" smtClean="0"/>
+              <a:t>Scholieren bovenbouw middelbare school</a:t>
+            </a:r>
+          </a:p>
+          <a:p>
+            <a:pPr>
+              <a:lnSpc>
+                <a:spcPct val="100000"/>
+              </a:lnSpc>
+              <a:spcBef>
+                <a:spcPts val="0"/>
+              </a:spcBef>
+            </a:pPr>
+            <a:r>
+              <a:rPr lang="nl-NL" dirty="0" smtClean="0"/>
+              <a:t>Diagnostische toetsen</a:t>
+            </a:r>
+          </a:p>
+          <a:p>
+            <a:pPr>
+              <a:lnSpc>
+                <a:spcPct val="100000"/>
+              </a:lnSpc>
+              <a:spcBef>
+                <a:spcPts val="0"/>
+              </a:spcBef>
+            </a:pPr>
+            <a:r>
+              <a:rPr lang="nl-NL" dirty="0" smtClean="0"/>
+              <a:t>Beloning</a:t>
+            </a:r>
+          </a:p>
+          <a:p>
+            <a:pPr lvl="1">
+              <a:lnSpc>
+                <a:spcPct val="100000"/>
+              </a:lnSpc>
+              <a:spcBef>
+                <a:spcPts val="0"/>
+              </a:spcBef>
+            </a:pPr>
+            <a:r>
+              <a:rPr lang="nl-NL" dirty="0" smtClean="0"/>
+              <a:t>geoorloofde absentie</a:t>
+            </a:r>
+          </a:p>
+          <a:p>
+            <a:pPr>
+              <a:lnSpc>
+                <a:spcPct val="100000"/>
+              </a:lnSpc>
+              <a:spcBef>
+                <a:spcPts val="0"/>
+              </a:spcBef>
+            </a:pPr>
+            <a:endParaRPr lang="nl-NL" dirty="0" smtClean="0"/>
+          </a:p>
+          <a:p>
+            <a:pPr>
+              <a:lnSpc>
+                <a:spcPct val="100000"/>
+              </a:lnSpc>
+              <a:spcBef>
+                <a:spcPts val="0"/>
+              </a:spcBef>
+            </a:pPr>
+            <a:endParaRPr lang="nl-NL" dirty="0"/>
+          </a:p>
+          <a:p>
+            <a:pPr>
+              <a:lnSpc>
+                <a:spcPct val="100000"/>
+              </a:lnSpc>
+              <a:spcBef>
+                <a:spcPts val="0"/>
+              </a:spcBef>
+            </a:pPr>
+            <a:r>
+              <a:rPr lang="nl-NL" dirty="0" smtClean="0"/>
+              <a:t>Feedback Onderwijsdeskundige</a:t>
+            </a:r>
           </a:p>
         </p:txBody>
       </p:sp>
@@ -5927,6 +6384,25 @@
   <p:clrMapOvr>
     <a:masterClrMapping/>
   </p:clrMapOvr>
+  <mc:AlternateContent xmlns:mc="http://schemas.openxmlformats.org/markup-compatibility/2006">
+    <mc:Choice xmlns:p14="http://schemas.microsoft.com/office/powerpoint/2010/main" Requires="p14">
+      <p:transition spd="slow" p14:dur="1500">
+        <p:random/>
+      </p:transition>
+    </mc:Choice>
+    <mc:Fallback>
+      <p:transition spd="slow">
+        <p:random/>
+      </p:transition>
+    </mc:Fallback>
+  </mc:AlternateContent>
+  <p:timing>
+    <p:tnLst>
+      <p:par>
+        <p:cTn id="1" dur="indefinite" restart="never" nodeType="tmRoot"/>
+      </p:par>
+    </p:tnLst>
+  </p:timing>
 </p:sld>
 </file>
 
@@ -5964,7 +6440,7 @@
           <a:p>
             <a:r>
               <a:rPr lang="nl-NL" dirty="0" smtClean="0"/>
-              <a:t>Storyboards</a:t>
+              <a:t>idee</a:t>
             </a:r>
             <a:endParaRPr lang="nl-NL" dirty="0"/>
           </a:p>
@@ -5985,20 +6461,90 @@
           <a:bodyPr/>
           <a:lstStyle/>
           <a:p>
-            <a:endParaRPr lang="nl-NL"/>
+            <a:r>
+              <a:rPr lang="nl-NL" dirty="0" smtClean="0"/>
+              <a:t>Scholieren bovenbouw middelbare school</a:t>
+            </a:r>
+          </a:p>
+          <a:p>
+            <a:r>
+              <a:rPr lang="nl-NL" dirty="0" smtClean="0"/>
+              <a:t>Flip </a:t>
+            </a:r>
+            <a:r>
+              <a:rPr lang="nl-NL" dirty="0" err="1" smtClean="0"/>
+              <a:t>the</a:t>
+            </a:r>
+            <a:r>
+              <a:rPr lang="nl-NL" dirty="0" smtClean="0"/>
+              <a:t> classroom</a:t>
+            </a:r>
+          </a:p>
+          <a:p>
+            <a:r>
+              <a:rPr lang="nl-NL" dirty="0" smtClean="0"/>
+              <a:t>Beloning</a:t>
+            </a:r>
+          </a:p>
+          <a:p>
+            <a:pPr lvl="1"/>
+            <a:r>
+              <a:rPr lang="nl-NL" dirty="0" err="1" smtClean="0"/>
+              <a:t>Vervaning</a:t>
+            </a:r>
+            <a:r>
+              <a:rPr lang="nl-NL" dirty="0" smtClean="0"/>
+              <a:t> Huiswerk</a:t>
+            </a:r>
+          </a:p>
+          <a:p>
+            <a:pPr lvl="1"/>
+            <a:r>
+              <a:rPr lang="nl-NL" dirty="0" smtClean="0"/>
+              <a:t>Prijzenkast</a:t>
+            </a:r>
+          </a:p>
+          <a:p>
+            <a:pPr lvl="1"/>
+            <a:r>
+              <a:rPr lang="nl-NL" dirty="0" smtClean="0"/>
+              <a:t>Etc.</a:t>
+            </a:r>
+          </a:p>
+          <a:p>
+            <a:r>
+              <a:rPr lang="nl-NL" dirty="0" smtClean="0"/>
+              <a:t>Differentiëren in de les</a:t>
+            </a:r>
+          </a:p>
+          <a:p>
+            <a:pPr lvl="1"/>
+            <a:endParaRPr lang="nl-NL" dirty="0"/>
           </a:p>
         </p:txBody>
       </p:sp>
     </p:spTree>
     <p:extLst>
       <p:ext uri="{BB962C8B-B14F-4D97-AF65-F5344CB8AC3E}">
-        <p14:creationId xmlns:p14="http://schemas.microsoft.com/office/powerpoint/2010/main" val="282292692"/>
+        <p14:creationId xmlns:p14="http://schemas.microsoft.com/office/powerpoint/2010/main" val="553155705"/>
       </p:ext>
     </p:extLst>
   </p:cSld>
   <p:clrMapOvr>
     <a:masterClrMapping/>
   </p:clrMapOvr>
+  <mc:AlternateContent xmlns:mc="http://schemas.openxmlformats.org/markup-compatibility/2006">
+    <mc:Choice xmlns:p14="http://schemas.microsoft.com/office/powerpoint/2010/main" Requires="p14">
+      <p:transition spd="slow" p14:dur="1500">
+        <p:random/>
+      </p:transition>
+    </mc:Choice>
+    <mc:Fallback>
+      <p:transition spd="slow">
+        <p:random/>
+      </p:transition>
+    </mc:Fallback>
+  </mc:AlternateContent>
 </p:sld>
 </file>
 
@@ -6034,7 +6580,11 @@
           <a:bodyPr/>
           <a:lstStyle/>
           <a:p>
-            <a:endParaRPr lang="nl-NL"/>
+            <a:r>
+              <a:rPr lang="nl-NL" dirty="0" err="1" smtClean="0"/>
+              <a:t>Quantified</a:t>
+            </a:r>
+            <a:endParaRPr lang="nl-NL" dirty="0"/>
           </a:p>
         </p:txBody>
       </p:sp>
@@ -6053,7 +6603,39 @@
           <a:bodyPr/>
           <a:lstStyle/>
           <a:p>
-            <a:endParaRPr lang="nl-NL"/>
+            <a:r>
+              <a:rPr lang="nl-NL" dirty="0" smtClean="0"/>
+              <a:t>Stresslevel</a:t>
+            </a:r>
+          </a:p>
+          <a:p>
+            <a:r>
+              <a:rPr lang="nl-NL" dirty="0" smtClean="0"/>
+              <a:t>Locatie</a:t>
+            </a:r>
+          </a:p>
+          <a:p>
+            <a:r>
+              <a:rPr lang="nl-NL" dirty="0" smtClean="0"/>
+              <a:t>Tijd</a:t>
+            </a:r>
+          </a:p>
+          <a:p>
+            <a:r>
+              <a:rPr lang="nl-NL" dirty="0" smtClean="0"/>
+              <a:t>Twijfel over antwoorden</a:t>
+            </a:r>
+          </a:p>
+          <a:p>
+            <a:r>
+              <a:rPr lang="nl-NL" dirty="0" err="1" smtClean="0"/>
+              <a:t>Fitbit</a:t>
+            </a:r>
+            <a:r>
+              <a:rPr lang="nl-NL" dirty="0" smtClean="0"/>
+              <a:t>?</a:t>
+            </a:r>
+            <a:endParaRPr lang="nl-NL" dirty="0"/>
           </a:p>
         </p:txBody>
       </p:sp>
@@ -6067,13 +6649,252 @@
   <p:clrMapOvr>
     <a:masterClrMapping/>
   </p:clrMapOvr>
+  <mc:AlternateContent xmlns:mc="http://schemas.openxmlformats.org/markup-compatibility/2006">
+    <mc:Choice xmlns:p14="http://schemas.microsoft.com/office/powerpoint/2010/main" Requires="p14">
+      <p:transition spd="slow" p14:dur="1500">
+        <p:random/>
+      </p:transition>
+    </mc:Choice>
+    <mc:Fallback>
+      <p:transition spd="slow">
+        <p:random/>
+      </p:transition>
+    </mc:Fallback>
+  </mc:AlternateContent>
+  <p:timing>
+    <p:tnLst>
+      <p:par>
+        <p:cTn id="1" dur="indefinite" restart="never" nodeType="tmRoot"/>
+      </p:par>
+    </p:tnLst>
+  </p:timing>
+</p:sld>
+</file>
+
+<file path=ppt/slides/slide5.xml><?xml version="1.0" encoding="utf-8"?>
+<p:sld xmlns:a="http://schemas.openxmlformats.org/drawingml/2006/main" xmlns:r="http://schemas.openxmlformats.org/officeDocument/2006/relationships" xmlns:p="http://schemas.openxmlformats.org/presentationml/2006/main">
+  <p:cSld>
+    <p:spTree>
+      <p:nvGrpSpPr>
+        <p:cNvPr id="1" name=""/>
+        <p:cNvGrpSpPr/>
+        <p:nvPr/>
+      </p:nvGrpSpPr>
+      <p:grpSpPr>
+        <a:xfrm>
+          <a:off x="0" y="0"/>
+          <a:ext cx="0" cy="0"/>
+          <a:chOff x="0" y="0"/>
+          <a:chExt cx="0" cy="0"/>
+        </a:xfrm>
+      </p:grpSpPr>
+      <p:sp>
+        <p:nvSpPr>
+          <p:cNvPr id="2" name="Titel 1"/>
+          <p:cNvSpPr>
+            <a:spLocks noGrp="1"/>
+          </p:cNvSpPr>
+          <p:nvPr>
+            <p:ph type="title"/>
+          </p:nvPr>
+        </p:nvSpPr>
+        <p:spPr/>
+        <p:txBody>
+          <a:bodyPr/>
+          <a:lstStyle/>
+          <a:p>
+            <a:r>
+              <a:rPr lang="nl-NL" dirty="0" err="1" smtClean="0"/>
+              <a:t>Gamification</a:t>
+            </a:r>
+            <a:endParaRPr lang="nl-NL" dirty="0"/>
+          </a:p>
+        </p:txBody>
+      </p:sp>
+      <p:sp>
+        <p:nvSpPr>
+          <p:cNvPr id="3" name="Tijdelijke aanduiding voor inhoud 2"/>
+          <p:cNvSpPr>
+            <a:spLocks noGrp="1"/>
+          </p:cNvSpPr>
+          <p:nvPr>
+            <p:ph idx="1"/>
+          </p:nvPr>
+        </p:nvSpPr>
+        <p:spPr/>
+        <p:txBody>
+          <a:bodyPr/>
+          <a:lstStyle/>
+          <a:p>
+            <a:r>
+              <a:rPr lang="nl-NL" dirty="0" smtClean="0"/>
+              <a:t>Prijzenkast; brons, zilver en gouden prijs</a:t>
+            </a:r>
+          </a:p>
+          <a:p>
+            <a:r>
+              <a:rPr lang="nl-NL" dirty="0" smtClean="0"/>
+              <a:t>GEEN leaderboard</a:t>
+            </a:r>
+          </a:p>
+          <a:p>
+            <a:r>
+              <a:rPr lang="nl-NL" dirty="0" smtClean="0"/>
+              <a:t>Profiel badge</a:t>
+            </a:r>
+          </a:p>
+        </p:txBody>
+      </p:sp>
+    </p:spTree>
+    <p:extLst>
+      <p:ext uri="{BB962C8B-B14F-4D97-AF65-F5344CB8AC3E}">
+        <p14:creationId xmlns:p14="http://schemas.microsoft.com/office/powerpoint/2010/main" val="282292692"/>
+      </p:ext>
+    </p:extLst>
+  </p:cSld>
+  <p:clrMapOvr>
+    <a:masterClrMapping/>
+  </p:clrMapOvr>
+  <mc:AlternateContent xmlns:mc="http://schemas.openxmlformats.org/markup-compatibility/2006">
+    <mc:Choice xmlns:p14="http://schemas.microsoft.com/office/powerpoint/2010/main" Requires="p14">
+      <p:transition spd="slow" p14:dur="1500">
+        <p:random/>
+      </p:transition>
+    </mc:Choice>
+    <mc:Fallback>
+      <p:transition spd="slow">
+        <p:random/>
+      </p:transition>
+    </mc:Fallback>
+  </mc:AlternateContent>
+  <p:timing>
+    <p:tnLst>
+      <p:par>
+        <p:cTn id="1" dur="indefinite" restart="never" nodeType="tmRoot"/>
+      </p:par>
+    </p:tnLst>
+  </p:timing>
+</p:sld>
+</file>
+
+<file path=ppt/slides/slide6.xml><?xml version="1.0" encoding="utf-8"?>
+<p:sld xmlns:a="http://schemas.openxmlformats.org/drawingml/2006/main" xmlns:r="http://schemas.openxmlformats.org/officeDocument/2006/relationships" xmlns:p="http://schemas.openxmlformats.org/presentationml/2006/main">
+  <p:cSld>
+    <p:spTree>
+      <p:nvGrpSpPr>
+        <p:cNvPr id="1" name=""/>
+        <p:cNvGrpSpPr/>
+        <p:nvPr/>
+      </p:nvGrpSpPr>
+      <p:grpSpPr>
+        <a:xfrm>
+          <a:off x="0" y="0"/>
+          <a:ext cx="0" cy="0"/>
+          <a:chOff x="0" y="0"/>
+          <a:chExt cx="0" cy="0"/>
+        </a:xfrm>
+      </p:grpSpPr>
+      <p:sp>
+        <p:nvSpPr>
+          <p:cNvPr id="2" name="Titel 1"/>
+          <p:cNvSpPr>
+            <a:spLocks noGrp="1"/>
+          </p:cNvSpPr>
+          <p:nvPr>
+            <p:ph type="title"/>
+          </p:nvPr>
+        </p:nvSpPr>
+        <p:spPr/>
+        <p:txBody>
+          <a:bodyPr/>
+          <a:lstStyle/>
+          <a:p>
+            <a:r>
+              <a:rPr lang="nl-NL" dirty="0" smtClean="0"/>
+              <a:t>Onderzoek</a:t>
+            </a:r>
+            <a:endParaRPr lang="nl-NL" dirty="0"/>
+          </a:p>
+        </p:txBody>
+      </p:sp>
+      <p:sp>
+        <p:nvSpPr>
+          <p:cNvPr id="3" name="Tijdelijke aanduiding voor inhoud 2"/>
+          <p:cNvSpPr>
+            <a:spLocks noGrp="1"/>
+          </p:cNvSpPr>
+          <p:nvPr>
+            <p:ph idx="1"/>
+          </p:nvPr>
+        </p:nvSpPr>
+        <p:spPr/>
+        <p:txBody>
+          <a:bodyPr/>
+          <a:lstStyle/>
+          <a:p>
+            <a:r>
+              <a:rPr lang="nl-NL" dirty="0" smtClean="0"/>
+              <a:t>In hoeverre is het verantwoord om scholieren lessen over te slaan aan de hand van </a:t>
+            </a:r>
+            <a:r>
+              <a:rPr lang="nl-NL" dirty="0" err="1" smtClean="0"/>
+              <a:t>toetsresultaten</a:t>
+            </a:r>
+            <a:r>
+              <a:rPr lang="nl-NL" dirty="0" smtClean="0"/>
+              <a:t>?</a:t>
+            </a:r>
+          </a:p>
+          <a:p>
+            <a:r>
+              <a:rPr lang="nl-NL" dirty="0" smtClean="0"/>
+              <a:t>In hoeverre kun je mensen opleggen om hun gedrag te veranderen op basis van algemene principes?</a:t>
+            </a:r>
+          </a:p>
+          <a:p>
+            <a:r>
+              <a:rPr lang="nl-NL" dirty="0" smtClean="0"/>
+              <a:t>In hoeverre mag een docent de gegevens van scholieren inzien en ook daarnaar handelen?</a:t>
+            </a:r>
+          </a:p>
+        </p:txBody>
+      </p:sp>
+    </p:spTree>
+    <p:extLst>
+      <p:ext uri="{BB962C8B-B14F-4D97-AF65-F5344CB8AC3E}">
+        <p14:creationId xmlns:p14="http://schemas.microsoft.com/office/powerpoint/2010/main" val="1418992822"/>
+      </p:ext>
+    </p:extLst>
+  </p:cSld>
+  <p:clrMapOvr>
+    <a:masterClrMapping/>
+  </p:clrMapOvr>
+  <mc:AlternateContent xmlns:mc="http://schemas.openxmlformats.org/markup-compatibility/2006">
+    <mc:Choice xmlns:p14="http://schemas.microsoft.com/office/powerpoint/2010/main" Requires="p14">
+      <p:transition spd="slow" p14:dur="1500">
+        <p:random/>
+      </p:transition>
+    </mc:Choice>
+    <mc:Fallback>
+      <p:transition spd="slow">
+        <p:random/>
+      </p:transition>
+    </mc:Fallback>
+  </mc:AlternateContent>
+  <p:timing>
+    <p:tnLst>
+      <p:par>
+        <p:cTn id="1" dur="indefinite" restart="never" nodeType="tmRoot"/>
+      </p:par>
+    </p:tnLst>
+  </p:timing>
 </p:sld>
 </file>
 
 <file path=ppt/theme/theme1.xml><?xml version="1.0" encoding="utf-8"?>
 <a:theme xmlns:a="http://schemas.openxmlformats.org/drawingml/2006/main" name="Condensspoor">
   <a:themeElements>
-    <a:clrScheme name="Condensspoor">
+    <a:clrScheme name="Geel">
       <a:dk1>
         <a:sysClr val="windowText" lastClr="000000"/>
       </a:dk1>
@@ -6081,34 +6902,34 @@
         <a:sysClr val="window" lastClr="FFFFFF"/>
       </a:lt1>
       <a:dk2>
-        <a:srgbClr val="454545"/>
+        <a:srgbClr val="39302A"/>
       </a:dk2>
       <a:lt2>
-        <a:srgbClr val="DADADA"/>
+        <a:srgbClr val="E5DEDB"/>
       </a:lt2>
       <a:accent1>
-        <a:srgbClr val="DF2E28"/>
+        <a:srgbClr val="FFCA08"/>
       </a:accent1>
       <a:accent2>
-        <a:srgbClr val="FE801A"/>
+        <a:srgbClr val="F8931D"/>
       </a:accent2>
       <a:accent3>
-        <a:srgbClr val="E9BF35"/>
+        <a:srgbClr val="CE8D3E"/>
       </a:accent3>
       <a:accent4>
-        <a:srgbClr val="81BB42"/>
+        <a:srgbClr val="EC7016"/>
       </a:accent4>
       <a:accent5>
-        <a:srgbClr val="32C7A9"/>
+        <a:srgbClr val="E64823"/>
       </a:accent5>
       <a:accent6>
-        <a:srgbClr val="4A9BDC"/>
+        <a:srgbClr val="9C6A6A"/>
       </a:accent6>
       <a:hlink>
-        <a:srgbClr val="F0532B"/>
+        <a:srgbClr val="2998E3"/>
       </a:hlink>
       <a:folHlink>
-        <a:srgbClr val="F38B53"/>
+        <a:srgbClr val="7F723D"/>
       </a:folHlink>
     </a:clrScheme>
     <a:fontScheme name="Condensspoor">
@@ -6334,7 +7155,7 @@
   <a:extraClrSchemeLst/>
   <a:extLst>
     <a:ext uri="{05A4C25C-085E-4340-85A3-A5531E510DB2}">
-      <thm15:themeFamily xmlns:thm15="http://schemas.microsoft.com/office/thememl/2012/main" name="Vapor Trail" id="{4FDF2955-7D9C-493C-B9F9-C205151B46CD}" vid="{8F31A783-2159-4870-BC29-2BA7D038EA44}"/>
+      <thm15:themeFamily xmlns:thm15="http://schemas.microsoft.com/office/thememl/2012/main" name="Vapor Trail" id="{4FDF2955-7D9C-493C-B9F9-C205151B46CD}" vid="{FE1EB5C7-81A8-4CBA-AE6E-B3BF73DC3895}"/>
     </a:ext>
   </a:extLst>
 </a:theme>

--- a/Documents/Presentatie 7-4-16.pptx
+++ b/Documents/Presentatie 7-4-16.pptx
@@ -11,6 +11,7 @@
     <p:sldId id="259" r:id="rId5"/>
     <p:sldId id="258" r:id="rId6"/>
     <p:sldId id="260" r:id="rId7"/>
+    <p:sldId id="262" r:id="rId8"/>
   </p:sldIdLst>
   <p:sldSz cx="12192000" cy="6858000"/>
   <p:notesSz cx="6858000" cy="9144000"/>
@@ -6891,6 +6892,107 @@
 </p:sld>
 </file>
 
+<file path=ppt/slides/slide7.xml><?xml version="1.0" encoding="utf-8"?>
+<p:sld xmlns:a="http://schemas.openxmlformats.org/drawingml/2006/main" xmlns:r="http://schemas.openxmlformats.org/officeDocument/2006/relationships" xmlns:p="http://schemas.openxmlformats.org/presentationml/2006/main">
+  <p:cSld>
+    <p:spTree>
+      <p:nvGrpSpPr>
+        <p:cNvPr id="1" name=""/>
+        <p:cNvGrpSpPr/>
+        <p:nvPr/>
+      </p:nvGrpSpPr>
+      <p:grpSpPr>
+        <a:xfrm>
+          <a:off x="0" y="0"/>
+          <a:ext cx="0" cy="0"/>
+          <a:chOff x="0" y="0"/>
+          <a:chExt cx="0" cy="0"/>
+        </a:xfrm>
+      </p:grpSpPr>
+      <p:sp>
+        <p:nvSpPr>
+          <p:cNvPr id="2" name="Titel 1"/>
+          <p:cNvSpPr>
+            <a:spLocks noGrp="1"/>
+          </p:cNvSpPr>
+          <p:nvPr>
+            <p:ph type="title"/>
+          </p:nvPr>
+        </p:nvSpPr>
+        <p:spPr/>
+        <p:txBody>
+          <a:bodyPr/>
+          <a:lstStyle/>
+          <a:p>
+            <a:r>
+              <a:rPr lang="nl-NL" dirty="0" smtClean="0"/>
+              <a:t>Vragen?</a:t>
+            </a:r>
+            <a:endParaRPr lang="nl-NL" dirty="0"/>
+          </a:p>
+        </p:txBody>
+      </p:sp>
+      <p:sp>
+        <p:nvSpPr>
+          <p:cNvPr id="3" name="Tijdelijke aanduiding voor inhoud 2"/>
+          <p:cNvSpPr>
+            <a:spLocks noGrp="1"/>
+          </p:cNvSpPr>
+          <p:nvPr>
+            <p:ph idx="1"/>
+          </p:nvPr>
+        </p:nvSpPr>
+        <p:spPr/>
+        <p:txBody>
+          <a:bodyPr/>
+          <a:lstStyle/>
+          <a:p>
+            <a:pPr marL="0" marR="0" lvl="0" indent="0" defTabSz="914400" eaLnBrk="1" fontAlgn="auto" latinLnBrk="0" hangingPunct="1">
+              <a:lnSpc>
+                <a:spcPct val="100000"/>
+              </a:lnSpc>
+              <a:spcBef>
+                <a:spcPts val="0"/>
+              </a:spcBef>
+              <a:spcAft>
+                <a:spcPts val="0"/>
+              </a:spcAft>
+              <a:buClrTx/>
+              <a:buSzTx/>
+              <a:buFontTx/>
+              <a:buNone/>
+              <a:tabLst/>
+              <a:defRPr/>
+            </a:pPr>
+            <a:endParaRPr lang="nl-NL" dirty="0"/>
+          </a:p>
+        </p:txBody>
+      </p:sp>
+    </p:spTree>
+    <p:extLst>
+      <p:ext uri="{BB962C8B-B14F-4D97-AF65-F5344CB8AC3E}">
+        <p14:creationId xmlns:p14="http://schemas.microsoft.com/office/powerpoint/2010/main" val="493877333"/>
+      </p:ext>
+    </p:extLst>
+  </p:cSld>
+  <p:clrMapOvr>
+    <a:masterClrMapping/>
+  </p:clrMapOvr>
+  <mc:AlternateContent xmlns:mc="http://schemas.openxmlformats.org/markup-compatibility/2006">
+    <mc:Choice xmlns:p14="http://schemas.microsoft.com/office/powerpoint/2010/main" Requires="p14">
+      <p:transition spd="slow" p14:dur="1500">
+        <p:random/>
+      </p:transition>
+    </mc:Choice>
+    <mc:Fallback>
+      <p:transition spd="slow">
+        <p:random/>
+      </p:transition>
+    </mc:Fallback>
+  </mc:AlternateContent>
+</p:sld>
+</file>
+
 <file path=ppt/theme/theme1.xml><?xml version="1.0" encoding="utf-8"?>
 <a:theme xmlns:a="http://schemas.openxmlformats.org/drawingml/2006/main" name="Condensspoor">
   <a:themeElements>
